--- a/NSS Storage.pptx
+++ b/NSS Storage.pptx
@@ -125,6 +125,11 @@
       </a:defRPr>
     </a:lvl9pPr>
   </p:defaultTextStyle>
+  <p:extLst>
+    <p:ext uri="{EFAFB233-063F-42B5-8137-9DF3F51BA10A}">
+      <p15:sldGuideLst xmlns:p15="http://schemas.microsoft.com/office/powerpoint/2012/main"/>
+    </p:ext>
+  </p:extLst>
 </p:presentation>
 </file>
 
@@ -411,7 +416,7 @@
           <a:p>
             <a:fld id="{E80C50CD-E178-4744-9B35-B2F624D6C5E9}" type="datetimeFigureOut">
               <a:rPr lang="en-US" smtClean="0"/>
-              <a:t>3/27/25</a:t>
+              <a:t>3/31/25</a:t>
             </a:fld>
             <a:endParaRPr lang="en-US"/>
           </a:p>
@@ -609,7 +614,7 @@
           <a:p>
             <a:fld id="{E80C50CD-E178-4744-9B35-B2F624D6C5E9}" type="datetimeFigureOut">
               <a:rPr lang="en-US" smtClean="0"/>
-              <a:t>3/27/25</a:t>
+              <a:t>3/31/25</a:t>
             </a:fld>
             <a:endParaRPr lang="en-US"/>
           </a:p>
@@ -817,7 +822,7 @@
           <a:p>
             <a:fld id="{E80C50CD-E178-4744-9B35-B2F624D6C5E9}" type="datetimeFigureOut">
               <a:rPr lang="en-US" smtClean="0"/>
-              <a:t>3/27/25</a:t>
+              <a:t>3/31/25</a:t>
             </a:fld>
             <a:endParaRPr lang="en-US"/>
           </a:p>
@@ -1067,7 +1072,7 @@
           <a:p>
             <a:fld id="{E80C50CD-E178-4744-9B35-B2F624D6C5E9}" type="datetimeFigureOut">
               <a:rPr lang="en-US" smtClean="0"/>
-              <a:t>3/27/25</a:t>
+              <a:t>3/31/25</a:t>
             </a:fld>
             <a:endParaRPr lang="en-US"/>
           </a:p>
@@ -1346,7 +1351,7 @@
           <a:p>
             <a:fld id="{E80C50CD-E178-4744-9B35-B2F624D6C5E9}" type="datetimeFigureOut">
               <a:rPr lang="en-US" smtClean="0"/>
-              <a:t>3/27/25</a:t>
+              <a:t>3/31/25</a:t>
             </a:fld>
             <a:endParaRPr lang="en-US"/>
           </a:p>
@@ -1663,7 +1668,7 @@
           <a:p>
             <a:fld id="{E80C50CD-E178-4744-9B35-B2F624D6C5E9}" type="datetimeFigureOut">
               <a:rPr lang="en-US" smtClean="0"/>
-              <a:t>3/27/25</a:t>
+              <a:t>3/31/25</a:t>
             </a:fld>
             <a:endParaRPr lang="en-US"/>
           </a:p>
@@ -2079,7 +2084,7 @@
           <a:p>
             <a:fld id="{E80C50CD-E178-4744-9B35-B2F624D6C5E9}" type="datetimeFigureOut">
               <a:rPr lang="en-US" smtClean="0"/>
-              <a:t>3/27/25</a:t>
+              <a:t>3/31/25</a:t>
             </a:fld>
             <a:endParaRPr lang="en-US"/>
           </a:p>
@@ -2220,7 +2225,7 @@
           <a:p>
             <a:fld id="{E80C50CD-E178-4744-9B35-B2F624D6C5E9}" type="datetimeFigureOut">
               <a:rPr lang="en-US" smtClean="0"/>
-              <a:t>3/27/25</a:t>
+              <a:t>3/31/25</a:t>
             </a:fld>
             <a:endParaRPr lang="en-US"/>
           </a:p>
@@ -2333,7 +2338,7 @@
           <a:p>
             <a:fld id="{E80C50CD-E178-4744-9B35-B2F624D6C5E9}" type="datetimeFigureOut">
               <a:rPr lang="en-US" smtClean="0"/>
-              <a:t>3/27/25</a:t>
+              <a:t>3/31/25</a:t>
             </a:fld>
             <a:endParaRPr lang="en-US"/>
           </a:p>
@@ -2650,7 +2655,7 @@
           <a:p>
             <a:fld id="{E80C50CD-E178-4744-9B35-B2F624D6C5E9}" type="datetimeFigureOut">
               <a:rPr lang="en-US" smtClean="0"/>
-              <a:t>3/27/25</a:t>
+              <a:t>3/31/25</a:t>
             </a:fld>
             <a:endParaRPr lang="en-US"/>
           </a:p>
@@ -2942,7 +2947,7 @@
           <a:p>
             <a:fld id="{E80C50CD-E178-4744-9B35-B2F624D6C5E9}" type="datetimeFigureOut">
               <a:rPr lang="en-US" smtClean="0"/>
-              <a:t>3/27/25</a:t>
+              <a:t>3/31/25</a:t>
             </a:fld>
             <a:endParaRPr lang="en-US"/>
           </a:p>
@@ -3182,7 +3187,7 @@
             <a:fld id="{E80C50CD-E178-4744-9B35-B2F624D6C5E9}" type="datetimeFigureOut">
               <a:rPr lang="en-US" smtClean="0"/>
               <a:pPr/>
-              <a:t>3/27/25</a:t>
+              <a:t>3/31/25</a:t>
             </a:fld>
             <a:endParaRPr lang="en-US"/>
           </a:p>
